--- a/03_Advantage.pptx
+++ b/03_Advantage.pptx
@@ -215,7 +215,7 @@
             <a:fld id="{6837EDA8-41C8-4B24-A206-13C08A65A6D7}" type="datetimeFigureOut">
               <a:rPr lang="zh-TW" altLang="en-US" smtClean="0"/>
               <a:pPr/>
-              <a:t>2020/4/28</a:t>
+              <a:t>2021/12/8</a:t>
             </a:fld>
             <a:endParaRPr lang="zh-TW" altLang="en-US"/>
           </a:p>
@@ -668,7 +668,7 @@
             <a:fld id="{8B85509C-BD4F-47BF-9B1E-FC2E949B3621}" type="datetime1">
               <a:rPr lang="zh-TW" altLang="en-US" smtClean="0"/>
               <a:pPr/>
-              <a:t>2020/4/28</a:t>
+              <a:t>2021/12/8</a:t>
             </a:fld>
             <a:endParaRPr lang="zh-TW" altLang="en-US"/>
           </a:p>
@@ -841,7 +841,7 @@
             <a:fld id="{42251B24-F787-4C15-8A0F-7AEC20C70069}" type="datetime1">
               <a:rPr lang="zh-TW" altLang="en-US" smtClean="0"/>
               <a:pPr/>
-              <a:t>2020/4/28</a:t>
+              <a:t>2021/12/8</a:t>
             </a:fld>
             <a:endParaRPr lang="zh-TW" altLang="en-US"/>
           </a:p>
@@ -1016,7 +1016,7 @@
             <a:fld id="{9CA0D33C-CE2B-45F1-B8D4-FFD1F131F331}" type="datetime1">
               <a:rPr lang="zh-TW" altLang="en-US" smtClean="0"/>
               <a:pPr/>
-              <a:t>2020/4/28</a:t>
+              <a:t>2021/12/8</a:t>
             </a:fld>
             <a:endParaRPr lang="zh-TW" altLang="en-US"/>
           </a:p>
@@ -1181,7 +1181,7 @@
             <a:fld id="{50B99440-D9EF-40CC-9B52-F6428D9B2C76}" type="datetime1">
               <a:rPr lang="zh-TW" altLang="en-US" smtClean="0"/>
               <a:pPr/>
-              <a:t>2020/4/28</a:t>
+              <a:t>2021/12/8</a:t>
             </a:fld>
             <a:endParaRPr lang="zh-TW" altLang="en-US"/>
           </a:p>
@@ -1423,7 +1423,7 @@
             <a:fld id="{0871BF52-5C6C-4959-8E27-CECB68D39FE4}" type="datetime1">
               <a:rPr lang="zh-TW" altLang="en-US" smtClean="0"/>
               <a:pPr/>
-              <a:t>2020/4/28</a:t>
+              <a:t>2021/12/8</a:t>
             </a:fld>
             <a:endParaRPr lang="zh-TW" altLang="en-US"/>
           </a:p>
@@ -1705,7 +1705,7 @@
             <a:fld id="{DF863F05-2DD9-4EB1-A827-12FD992DE9DC}" type="datetime1">
               <a:rPr lang="zh-TW" altLang="en-US" smtClean="0"/>
               <a:pPr/>
-              <a:t>2020/4/28</a:t>
+              <a:t>2021/12/8</a:t>
             </a:fld>
             <a:endParaRPr lang="zh-TW" altLang="en-US"/>
           </a:p>
@@ -2121,7 +2121,7 @@
             <a:fld id="{6339AF51-4491-4873-A096-75DB6CE47516}" type="datetime1">
               <a:rPr lang="zh-TW" altLang="en-US" smtClean="0"/>
               <a:pPr/>
-              <a:t>2020/4/28</a:t>
+              <a:t>2021/12/8</a:t>
             </a:fld>
             <a:endParaRPr lang="zh-TW" altLang="en-US"/>
           </a:p>
@@ -2235,7 +2235,7 @@
             <a:fld id="{EE4AD9C8-8B9E-40FF-ABE2-858AC2057BBB}" type="datetime1">
               <a:rPr lang="zh-TW" altLang="en-US" smtClean="0"/>
               <a:pPr/>
-              <a:t>2020/4/28</a:t>
+              <a:t>2021/12/8</a:t>
             </a:fld>
             <a:endParaRPr lang="zh-TW" altLang="en-US"/>
           </a:p>
@@ -2327,7 +2327,7 @@
             <a:fld id="{B4784999-BBBE-4BE4-A8D0-877E7D1D66CC}" type="datetime1">
               <a:rPr lang="zh-TW" altLang="en-US" smtClean="0"/>
               <a:pPr/>
-              <a:t>2020/4/28</a:t>
+              <a:t>2021/12/8</a:t>
             </a:fld>
             <a:endParaRPr lang="zh-TW" altLang="en-US"/>
           </a:p>
@@ -2599,7 +2599,7 @@
             <a:fld id="{E88D17E6-02BD-4944-B9FE-7BFCCBF83D48}" type="datetime1">
               <a:rPr lang="zh-TW" altLang="en-US" smtClean="0"/>
               <a:pPr/>
-              <a:t>2020/4/28</a:t>
+              <a:t>2021/12/8</a:t>
             </a:fld>
             <a:endParaRPr lang="zh-TW" altLang="en-US"/>
           </a:p>
@@ -2848,7 +2848,7 @@
             <a:fld id="{3C13E23D-1FEF-4D78-A3A3-3D6F2BB31954}" type="datetime1">
               <a:rPr lang="zh-TW" altLang="en-US" smtClean="0"/>
               <a:pPr/>
-              <a:t>2020/4/28</a:t>
+              <a:t>2021/12/8</a:t>
             </a:fld>
             <a:endParaRPr lang="zh-TW" altLang="en-US"/>
           </a:p>
@@ -3056,7 +3056,7 @@
             <a:fld id="{06197F35-AD6F-4594-8B50-334492D2E7E8}" type="datetime1">
               <a:rPr lang="zh-TW" altLang="en-US" smtClean="0"/>
               <a:pPr/>
-              <a:t>2020/4/28</a:t>
+              <a:t>2021/12/8</a:t>
             </a:fld>
             <a:endParaRPr lang="zh-TW" altLang="en-US"/>
           </a:p>
@@ -3517,7 +3517,7 @@
             <a:fld id="{C389EDC9-19E3-47AC-9C57-C6A24DEA81AD}" type="datetime1">
               <a:rPr lang="zh-TW" altLang="en-US" smtClean="0"/>
               <a:pPr/>
-              <a:t>2020/4/28</a:t>
+              <a:t>2021/12/8</a:t>
             </a:fld>
             <a:endParaRPr lang="zh-TW" altLang="en-US"/>
           </a:p>
@@ -3898,7 +3898,7 @@
             <a:fld id="{A4F910E6-8D00-4BAF-8C48-9688E0B449D3}" type="datetime1">
               <a:rPr lang="zh-TW" altLang="en-US" smtClean="0"/>
               <a:pPr/>
-              <a:t>2020/4/28</a:t>
+              <a:t>2021/12/8</a:t>
             </a:fld>
             <a:endParaRPr lang="zh-TW" altLang="en-US"/>
           </a:p>
@@ -4117,7 +4117,7 @@
                   <a:schemeClr val="tx1"/>
                 </a:solidFill>
               </a:rPr>
-              <a:t>With Docker, we test the our application inside a container and ship it inside a container.</a:t>
+              <a:t>With Docker, we test our application inside a container and ship it inside a container.</a:t>
             </a:r>
           </a:p>
           <a:p>
@@ -4253,7 +4253,7 @@
             <a:fld id="{A4F910E6-8D00-4BAF-8C48-9688E0B449D3}" type="datetime1">
               <a:rPr lang="zh-TW" altLang="en-US" smtClean="0"/>
               <a:pPr/>
-              <a:t>2020/4/28</a:t>
+              <a:t>2021/12/8</a:t>
             </a:fld>
             <a:endParaRPr lang="zh-TW" altLang="en-US"/>
           </a:p>
@@ -4414,18 +4414,13 @@
               <a:buChar char="u"/>
             </a:pPr>
             <a:r>
-              <a:rPr lang="en-US" sz="1800" b="1" dirty="0" err="1">
+              <a:rPr lang="en-US" sz="1800" b="1" dirty="0">
                 <a:solidFill>
                   <a:srgbClr val="C00000"/>
                 </a:solidFill>
               </a:rPr>
-              <a:t>Portaibility</a:t>
-            </a:r>
-            <a:endParaRPr lang="en-US" sz="1800" b="1" dirty="0">
-              <a:solidFill>
-                <a:srgbClr val="C00000"/>
-              </a:solidFill>
-            </a:endParaRPr>
+              <a:t>Portability</a:t>
+            </a:r>
           </a:p>
           <a:p>
             <a:pPr marL="342900" indent="-342900" algn="l">
@@ -4578,7 +4573,7 @@
             <a:fld id="{A4F910E6-8D00-4BAF-8C48-9688E0B449D3}" type="datetime1">
               <a:rPr lang="zh-TW" altLang="en-US" smtClean="0"/>
               <a:pPr/>
-              <a:t>2020/4/28</a:t>
+              <a:t>2021/12/8</a:t>
             </a:fld>
             <a:endParaRPr lang="zh-TW" altLang="en-US"/>
           </a:p>
@@ -4995,7 +4990,7 @@
             <a:fld id="{A4F910E6-8D00-4BAF-8C48-9688E0B449D3}" type="datetime1">
               <a:rPr lang="zh-TW" altLang="en-US" smtClean="0"/>
               <a:pPr/>
-              <a:t>2020/4/28</a:t>
+              <a:t>2021/12/8</a:t>
             </a:fld>
             <a:endParaRPr lang="zh-TW" altLang="en-US"/>
           </a:p>
@@ -5179,7 +5174,7 @@
                   <a:schemeClr val="tx1"/>
                 </a:solidFill>
               </a:rPr>
-              <a:t>With Docker, every application works in isolation in its own container and does not interferes with other applications running on the same system.</a:t>
+              <a:t>With Docker, every application works in isolation in its own container and does not interfere with other applications running on the same system.</a:t>
             </a:r>
           </a:p>
           <a:p>
@@ -5215,23 +5210,7 @@
                   <a:schemeClr val="tx1"/>
                 </a:solidFill>
               </a:rPr>
-              <a:t>We can delete the container without affect other </a:t>
-            </a:r>
-            <a:r>
-              <a:rPr lang="en-US" sz="1800" b="1" dirty="0" err="1">
-                <a:solidFill>
-                  <a:schemeClr val="tx1"/>
-                </a:solidFill>
-              </a:rPr>
-              <a:t>cotnainers</a:t>
-            </a:r>
-            <a:r>
-              <a:rPr lang="en-US" sz="1800" b="1" dirty="0">
-                <a:solidFill>
-                  <a:schemeClr val="tx1"/>
-                </a:solidFill>
-              </a:rPr>
-              <a:t> in the system.</a:t>
+              <a:t>We can delete the container without affect other containers in the system.</a:t>
             </a:r>
           </a:p>
         </p:txBody>
@@ -5331,7 +5310,7 @@
             <a:fld id="{A4F910E6-8D00-4BAF-8C48-9688E0B449D3}" type="datetime1">
               <a:rPr lang="zh-TW" altLang="en-US" smtClean="0"/>
               <a:pPr/>
-              <a:t>2020/4/28</a:t>
+              <a:t>2021/12/8</a:t>
             </a:fld>
             <a:endParaRPr lang="zh-TW" altLang="en-US"/>
           </a:p>
@@ -5480,7 +5459,7 @@
                   <a:srgbClr val="FFFF00"/>
                 </a:solidFill>
               </a:rPr>
-              <a:t>End of Chapter</a:t>
+              <a:t>End</a:t>
             </a:r>
             <a:endParaRPr lang="zh-TW" altLang="en-US" sz="6000" b="1" dirty="0">
               <a:solidFill>
@@ -5508,7 +5487,7 @@
             <a:fld id="{4E46BE27-E923-4EC2-B046-3272AE2A3E5C}" type="datetime1">
               <a:rPr lang="zh-TW" altLang="en-US" smtClean="0"/>
               <a:pPr/>
-              <a:t>2020/4/28</a:t>
+              <a:t>2021/12/8</a:t>
             </a:fld>
             <a:endParaRPr lang="zh-TW" altLang="en-US"/>
           </a:p>
